--- a/draft-ietf-pce-association-bidir-06.pptx
+++ b/draft-ietf-pce-association-bidir-06.pptx
@@ -5000,20 +5000,17 @@
           <a:bodyPr/>
           <a:lstStyle/>
           <a:p>
-            <a:pPr>
-              <a:defRPr/>
-            </a:pPr>
-            <a:r>
-              <a:rPr lang="en-US" altLang="zh-CN" dirty="0"/>
+            <a:r>
+              <a:rPr lang="en-CA" dirty="0"/>
               <a:t>108</a:t>
             </a:r>
             <a:r>
-              <a:rPr lang="en-US" altLang="zh-CN" baseline="30000" dirty="0"/>
+              <a:rPr lang="en-CA" baseline="30000" dirty="0"/>
               <a:t>th</a:t>
             </a:r>
             <a:r>
-              <a:rPr lang="en-US" altLang="zh-CN" dirty="0"/>
-              <a:t> IETF @ Madrid</a:t>
+              <a:rPr lang="en-CA" dirty="0"/>
+              <a:t> IETF Online</a:t>
             </a:r>
           </a:p>
         </p:txBody>
@@ -5095,7 +5092,7 @@
         </p:nvSpPr>
         <p:spPr>
           <a:xfrm>
-            <a:off x="3124200" y="4786312"/>
+            <a:off x="3200400" y="4786312"/>
             <a:ext cx="2895600" cy="357188"/>
           </a:xfrm>
         </p:spPr>
@@ -5103,20 +5100,17 @@
           <a:bodyPr/>
           <a:lstStyle/>
           <a:p>
-            <a:pPr>
-              <a:defRPr/>
-            </a:pPr>
-            <a:r>
-              <a:rPr lang="en-US" altLang="zh-CN" dirty="0"/>
+            <a:r>
+              <a:rPr lang="en-CA" dirty="0"/>
               <a:t>108</a:t>
             </a:r>
             <a:r>
-              <a:rPr lang="en-US" altLang="zh-CN" baseline="30000" dirty="0"/>
+              <a:rPr lang="en-CA" baseline="30000" dirty="0"/>
               <a:t>th</a:t>
             </a:r>
             <a:r>
-              <a:rPr lang="en-US" altLang="zh-CN" dirty="0"/>
-              <a:t> IETF @ Madrid</a:t>
+              <a:rPr lang="en-CA" dirty="0"/>
+              <a:t> IETF Online</a:t>
             </a:r>
           </a:p>
         </p:txBody>
@@ -5305,7 +5299,7 @@
                 <a:ea typeface="Calibri" charset="0"/>
                 <a:cs typeface="Calibri" charset="0"/>
               </a:rPr>
-              <a:t>Thank you.</a:t>
+              <a:t>Thank you</a:t>
             </a:r>
           </a:p>
         </p:txBody>
@@ -5517,20 +5511,17 @@
           <a:bodyPr/>
           <a:lstStyle/>
           <a:p>
-            <a:pPr>
-              <a:defRPr/>
-            </a:pPr>
-            <a:r>
-              <a:rPr lang="en-US" altLang="zh-CN" dirty="0"/>
+            <a:r>
+              <a:rPr lang="en-CA" dirty="0"/>
               <a:t>108</a:t>
             </a:r>
             <a:r>
-              <a:rPr lang="en-US" altLang="zh-CN" baseline="30000" dirty="0"/>
+              <a:rPr lang="en-CA" baseline="30000" dirty="0"/>
               <a:t>th</a:t>
             </a:r>
             <a:r>
-              <a:rPr lang="en-US" altLang="zh-CN" dirty="0"/>
-              <a:t> IETF @ Madrid</a:t>
+              <a:rPr lang="en-CA" dirty="0"/>
+              <a:t> IETF Online</a:t>
             </a:r>
           </a:p>
         </p:txBody>
@@ -5732,20 +5723,17 @@
           <a:bodyPr/>
           <a:lstStyle/>
           <a:p>
-            <a:pPr>
-              <a:defRPr/>
-            </a:pPr>
-            <a:r>
-              <a:rPr lang="en-US" altLang="zh-CN" dirty="0"/>
+            <a:r>
+              <a:rPr lang="en-CA" dirty="0"/>
               <a:t>108</a:t>
             </a:r>
             <a:r>
-              <a:rPr lang="en-US" altLang="zh-CN" baseline="30000" dirty="0"/>
+              <a:rPr lang="en-CA" baseline="30000" dirty="0"/>
               <a:t>th</a:t>
             </a:r>
             <a:r>
-              <a:rPr lang="en-US" altLang="zh-CN" dirty="0"/>
-              <a:t> IETF @ Madrid</a:t>
+              <a:rPr lang="en-CA" dirty="0"/>
+              <a:t> IETF Online</a:t>
             </a:r>
           </a:p>
         </p:txBody>
@@ -5922,20 +5910,17 @@
           <a:bodyPr/>
           <a:lstStyle/>
           <a:p>
-            <a:pPr>
-              <a:defRPr/>
-            </a:pPr>
-            <a:r>
-              <a:rPr lang="en-US" altLang="zh-CN" dirty="0"/>
+            <a:r>
+              <a:rPr lang="en-CA" dirty="0"/>
               <a:t>108</a:t>
             </a:r>
             <a:r>
-              <a:rPr lang="en-US" altLang="zh-CN" baseline="30000" dirty="0"/>
+              <a:rPr lang="en-CA" baseline="30000" dirty="0"/>
               <a:t>th</a:t>
             </a:r>
             <a:r>
-              <a:rPr lang="en-US" altLang="zh-CN" dirty="0"/>
-              <a:t> IETF @ Madrid</a:t>
+              <a:rPr lang="en-CA" dirty="0"/>
+              <a:t> IETF Online</a:t>
             </a:r>
           </a:p>
         </p:txBody>
@@ -6912,20 +6897,17 @@
           <a:bodyPr/>
           <a:lstStyle/>
           <a:p>
-            <a:pPr>
-              <a:defRPr/>
-            </a:pPr>
-            <a:r>
-              <a:rPr lang="en-US" altLang="zh-CN" dirty="0"/>
+            <a:r>
+              <a:rPr lang="en-CA" dirty="0"/>
               <a:t>108</a:t>
             </a:r>
             <a:r>
-              <a:rPr lang="en-US" altLang="zh-CN" baseline="30000" dirty="0"/>
+              <a:rPr lang="en-CA" baseline="30000" dirty="0"/>
               <a:t>th</a:t>
             </a:r>
             <a:r>
-              <a:rPr lang="en-US" altLang="zh-CN" dirty="0"/>
-              <a:t> IETF @ Madrid</a:t>
+              <a:rPr lang="en-CA" dirty="0"/>
+              <a:t> IETF Online</a:t>
             </a:r>
           </a:p>
         </p:txBody>
@@ -7763,8 +7745,8 @@
         </p:nvSpPr>
         <p:spPr>
           <a:xfrm>
-            <a:off x="304800" y="971551"/>
-            <a:ext cx="8458200" cy="3124200"/>
+            <a:off x="533400" y="861060"/>
+            <a:ext cx="8153400" cy="3124200"/>
           </a:xfrm>
         </p:spPr>
         <p:txBody>
@@ -7847,20 +7829,17 @@
           <a:bodyPr/>
           <a:lstStyle/>
           <a:p>
-            <a:pPr>
-              <a:defRPr/>
-            </a:pPr>
-            <a:r>
-              <a:rPr lang="en-US" altLang="zh-CN" dirty="0"/>
+            <a:r>
+              <a:rPr lang="en-CA" dirty="0"/>
               <a:t>108</a:t>
             </a:r>
             <a:r>
-              <a:rPr lang="en-US" altLang="zh-CN" baseline="30000" dirty="0"/>
+              <a:rPr lang="en-CA" baseline="30000" dirty="0"/>
               <a:t>th</a:t>
             </a:r>
             <a:r>
-              <a:rPr lang="en-US" altLang="zh-CN" dirty="0"/>
-              <a:t> IETF @ Madrid</a:t>
+              <a:rPr lang="en-CA" dirty="0"/>
+              <a:t> IETF Online</a:t>
             </a:r>
           </a:p>
         </p:txBody>
@@ -7981,20 +7960,17 @@
           <a:bodyPr/>
           <a:lstStyle/>
           <a:p>
-            <a:pPr>
-              <a:defRPr/>
-            </a:pPr>
-            <a:r>
-              <a:rPr lang="en-US" altLang="zh-CN" dirty="0"/>
+            <a:r>
+              <a:rPr lang="en-CA" dirty="0"/>
               <a:t>108</a:t>
             </a:r>
             <a:r>
-              <a:rPr lang="en-US" altLang="zh-CN" baseline="30000" dirty="0"/>
+              <a:rPr lang="en-CA" baseline="30000" dirty="0"/>
               <a:t>th</a:t>
             </a:r>
             <a:r>
-              <a:rPr lang="en-US" altLang="zh-CN" dirty="0"/>
-              <a:t> IETF @ Madrid</a:t>
+              <a:rPr lang="en-CA" dirty="0"/>
+              <a:t> IETF Online</a:t>
             </a:r>
           </a:p>
         </p:txBody>
@@ -8743,20 +8719,17 @@
           <a:bodyPr/>
           <a:lstStyle/>
           <a:p>
-            <a:pPr>
-              <a:defRPr/>
-            </a:pPr>
-            <a:r>
-              <a:rPr lang="en-US" altLang="zh-CN" dirty="0"/>
+            <a:r>
+              <a:rPr lang="en-CA" dirty="0"/>
               <a:t>108</a:t>
             </a:r>
             <a:r>
-              <a:rPr lang="en-US" altLang="zh-CN" baseline="30000" dirty="0"/>
+              <a:rPr lang="en-CA" baseline="30000" dirty="0"/>
               <a:t>th</a:t>
             </a:r>
             <a:r>
-              <a:rPr lang="en-US" altLang="zh-CN" dirty="0"/>
-              <a:t> IETF @ Madrid</a:t>
+              <a:rPr lang="en-CA" dirty="0"/>
+              <a:t> IETF Online</a:t>
             </a:r>
           </a:p>
         </p:txBody>
@@ -8889,7 +8862,7 @@
             <a:pPr lvl="0"/>
             <a:r>
               <a:rPr lang="en-US" sz="2800" dirty="0"/>
-              <a:t>Already in the WG LC Queue</a:t>
+              <a:t>In the WG LC Queue</a:t>
             </a:r>
             <a:endParaRPr lang="en-US" sz="2800" dirty="0">
               <a:latin typeface="Calibri" charset="0"/>
@@ -8929,20 +8902,17 @@
           <a:bodyPr/>
           <a:lstStyle/>
           <a:p>
-            <a:pPr>
-              <a:defRPr/>
-            </a:pPr>
-            <a:r>
-              <a:rPr lang="en-US" altLang="zh-CN" dirty="0"/>
+            <a:r>
+              <a:rPr lang="en-CA" dirty="0"/>
               <a:t>108</a:t>
             </a:r>
             <a:r>
-              <a:rPr lang="en-US" altLang="zh-CN" baseline="30000" dirty="0"/>
+              <a:rPr lang="en-CA" baseline="30000" dirty="0"/>
               <a:t>th</a:t>
             </a:r>
             <a:r>
-              <a:rPr lang="en-US" altLang="zh-CN" dirty="0"/>
-              <a:t> IETF @ Madrid</a:t>
+              <a:rPr lang="en-CA" dirty="0"/>
+              <a:t> IETF Online</a:t>
             </a:r>
           </a:p>
         </p:txBody>

--- a/draft-ietf-pce-association-bidir-06.pptx
+++ b/draft-ietf-pce-association-bidir-06.pptx
@@ -4858,8 +4858,8 @@
         </p:nvSpPr>
         <p:spPr bwMode="auto">
           <a:xfrm>
-            <a:off x="2438400" y="2952750"/>
-            <a:ext cx="5867400" cy="1328738"/>
+            <a:off x="2667000" y="2876550"/>
+            <a:ext cx="3733800" cy="1328738"/>
           </a:xfrm>
           <a:prstGeom prst="rect">
             <a:avLst/>
@@ -7511,8 +7511,8 @@
         </p:nvSpPr>
         <p:spPr>
           <a:xfrm>
-            <a:off x="2830776" y="2551587"/>
-            <a:ext cx="3394701" cy="738664"/>
+            <a:off x="2855914" y="2416698"/>
+            <a:ext cx="3324142" cy="954107"/>
           </a:xfrm>
           <a:prstGeom prst="rect">
             <a:avLst/>
@@ -7551,12 +7551,22 @@
           </a:p>
           <a:p>
             <a:pPr marL="285750" indent="-285750">
-              <a:buFont typeface="Arial" charset="0"/>
+              <a:buFont typeface="Arial" panose="020B0604020202020204" pitchFamily="34" charset="0"/>
               <a:buChar char="•"/>
             </a:pPr>
             <a:r>
               <a:rPr lang="en-US" sz="1400" dirty="0"/>
               <a:t>Co-routed or non-co-routed </a:t>
+            </a:r>
+          </a:p>
+          <a:p>
+            <a:pPr marL="285750" indent="-285750">
+              <a:buFont typeface="Arial" panose="020B0604020202020204" pitchFamily="34" charset="0"/>
+              <a:buChar char="•"/>
+            </a:pPr>
+            <a:r>
+              <a:rPr lang="en-US" sz="1400" dirty="0"/>
+              <a:t>B flag in RP object</a:t>
             </a:r>
           </a:p>
         </p:txBody>
@@ -7754,6 +7764,9 @@
           <a:lstStyle/>
           <a:p>
             <a:pPr>
+              <a:lnSpc>
+                <a:spcPts val="2260"/>
+              </a:lnSpc>
               <a:spcBef>
                 <a:spcPts val="600"/>
               </a:spcBef>
@@ -7765,6 +7778,9 @@
           </a:p>
           <a:p>
             <a:pPr>
+              <a:lnSpc>
+                <a:spcPts val="2260"/>
+              </a:lnSpc>
               <a:spcBef>
                 <a:spcPts val="600"/>
               </a:spcBef>
@@ -7776,6 +7792,9 @@
           </a:p>
           <a:p>
             <a:pPr>
+              <a:lnSpc>
+                <a:spcPts val="2260"/>
+              </a:lnSpc>
               <a:spcBef>
                 <a:spcPts val="600"/>
               </a:spcBef>
@@ -7787,6 +7806,9 @@
           </a:p>
           <a:p>
             <a:pPr>
+              <a:lnSpc>
+                <a:spcPts val="2260"/>
+              </a:lnSpc>
               <a:spcBef>
                 <a:spcPts val="600"/>
               </a:spcBef>
@@ -7798,6 +7820,9 @@
           </a:p>
           <a:p>
             <a:pPr lvl="1">
+              <a:lnSpc>
+                <a:spcPts val="2260"/>
+              </a:lnSpc>
               <a:spcBef>
                 <a:spcPts val="600"/>
               </a:spcBef>
